--- a/modelisator/Gestion de projet/2015_06_18 [Modelisator] Step 6/2015_06_18  [Modelisator] Presentation.pptx
+++ b/modelisator/Gestion de projet/2015_06_18 [Modelisator] Step 6/2015_06_18  [Modelisator] Presentation.pptx
@@ -13,6 +13,8 @@
     <p:sldId id="261" r:id="rId7"/>
     <p:sldId id="262" r:id="rId8"/>
     <p:sldId id="263" r:id="rId9"/>
+    <p:sldId id="264" r:id="rId10"/>
+    <p:sldId id="265" r:id="rId11"/>
   </p:sldIdLst>
   <p:sldSz cx="9144000" cy="6858000" type="screen4x3"/>
   <p:notesSz cx="6858000" cy="9144000"/>
@@ -5094,6 +5096,229 @@
     <p:tnLst>
       <p:par>
         <p:cTn id="1" dur="indefinite" restart="never" nodeType="tmRoot"/>
+      </p:par>
+    </p:tnLst>
+  </p:timing>
+</p:sld>
+</file>
+
+<file path=ppt/slides/slide10.xml><?xml version="1.0" encoding="utf-8"?>
+<p:sld xmlns:a="http://schemas.openxmlformats.org/drawingml/2006/main" xmlns:r="http://schemas.openxmlformats.org/officeDocument/2006/relationships" xmlns:p="http://schemas.openxmlformats.org/presentationml/2006/main">
+  <p:cSld>
+    <p:spTree>
+      <p:nvGrpSpPr>
+        <p:cNvPr id="1" name=""/>
+        <p:cNvGrpSpPr/>
+        <p:nvPr/>
+      </p:nvGrpSpPr>
+      <p:grpSpPr>
+        <a:xfrm>
+          <a:off x="0" y="0"/>
+          <a:ext cx="0" cy="0"/>
+          <a:chOff x="0" y="0"/>
+          <a:chExt cx="0" cy="0"/>
+        </a:xfrm>
+      </p:grpSpPr>
+      <p:sp>
+        <p:nvSpPr>
+          <p:cNvPr id="2" name="Titre 1"/>
+          <p:cNvSpPr>
+            <a:spLocks noGrp="1"/>
+          </p:cNvSpPr>
+          <p:nvPr>
+            <p:ph type="title"/>
+          </p:nvPr>
+        </p:nvSpPr>
+        <p:spPr/>
+        <p:txBody>
+          <a:bodyPr/>
+          <a:lstStyle/>
+          <a:p>
+            <a:r>
+              <a:rPr lang="fr-FR" dirty="0" smtClean="0"/>
+              <a:t>VII. Tests</a:t>
+            </a:r>
+            <a:endParaRPr lang="fr-FR" dirty="0"/>
+          </a:p>
+        </p:txBody>
+      </p:sp>
+      <p:sp>
+        <p:nvSpPr>
+          <p:cNvPr id="3" name="Espace réservé du contenu 2"/>
+          <p:cNvSpPr>
+            <a:spLocks noGrp="1"/>
+          </p:cNvSpPr>
+          <p:nvPr>
+            <p:ph idx="1"/>
+          </p:nvPr>
+        </p:nvSpPr>
+        <p:spPr/>
+        <p:txBody>
+          <a:bodyPr/>
+          <a:lstStyle/>
+          <a:p>
+            <a:r>
+              <a:rPr lang="fr-FR" dirty="0" smtClean="0"/>
+              <a:t>Validation</a:t>
+            </a:r>
+            <a:endParaRPr lang="fr-FR" dirty="0"/>
+          </a:p>
+        </p:txBody>
+      </p:sp>
+      <p:pic>
+        <p:nvPicPr>
+          <p:cNvPr id="5122" name="Picture 2"/>
+          <p:cNvPicPr>
+            <a:picLocks noChangeAspect="1" noChangeArrowheads="1"/>
+          </p:cNvPicPr>
+          <p:nvPr/>
+        </p:nvPicPr>
+        <p:blipFill>
+          <a:blip r:embed="rId2">
+            <a:extLst>
+              <a:ext uri="{28A0092B-C50C-407E-A947-70E740481C1C}">
+                <a14:useLocalDpi xmlns:a14="http://schemas.microsoft.com/office/drawing/2010/main" val="0"/>
+              </a:ext>
+            </a:extLst>
+          </a:blip>
+          <a:srcRect/>
+          <a:stretch>
+            <a:fillRect/>
+          </a:stretch>
+        </p:blipFill>
+        <p:spPr bwMode="auto">
+          <a:xfrm>
+            <a:off x="2627784" y="548680"/>
+            <a:ext cx="5804296" cy="5992671"/>
+          </a:xfrm>
+          <a:prstGeom prst="rect">
+            <a:avLst/>
+          </a:prstGeom>
+          <a:noFill/>
+          <a:ln>
+            <a:noFill/>
+          </a:ln>
+          <a:effectLst/>
+          <a:extLst>
+            <a:ext uri="{909E8E84-426E-40DD-AFC4-6F175D3DCCD1}">
+              <a14:hiddenFill xmlns:a14="http://schemas.microsoft.com/office/drawing/2010/main">
+                <a:solidFill>
+                  <a:schemeClr val="accent1"/>
+                </a:solidFill>
+              </a14:hiddenFill>
+            </a:ext>
+            <a:ext uri="{91240B29-F687-4F45-9708-019B960494DF}">
+              <a14:hiddenLine xmlns:a14="http://schemas.microsoft.com/office/drawing/2010/main" w="9525">
+                <a:solidFill>
+                  <a:schemeClr val="tx1"/>
+                </a:solidFill>
+                <a:miter lim="800000"/>
+                <a:headEnd/>
+                <a:tailEnd/>
+              </a14:hiddenLine>
+            </a:ext>
+            <a:ext uri="{AF507438-7753-43E0-B8FC-AC1667EBCBE1}">
+              <a14:hiddenEffects xmlns:a14="http://schemas.microsoft.com/office/drawing/2010/main">
+                <a:effectLst>
+                  <a:outerShdw dist="35921" dir="2700000" algn="ctr" rotWithShape="0">
+                    <a:schemeClr val="bg2"/>
+                  </a:outerShdw>
+                </a:effectLst>
+              </a14:hiddenEffects>
+            </a:ext>
+          </a:extLst>
+        </p:spPr>
+      </p:pic>
+    </p:spTree>
+    <p:extLst>
+      <p:ext uri="{BB962C8B-B14F-4D97-AF65-F5344CB8AC3E}">
+        <p14:creationId xmlns:p14="http://schemas.microsoft.com/office/powerpoint/2010/main" val="1060330240"/>
+      </p:ext>
+    </p:extLst>
+  </p:cSld>
+  <p:clrMapOvr>
+    <a:masterClrMapping/>
+  </p:clrMapOvr>
+  <p:timing>
+    <p:tnLst>
+      <p:par>
+        <p:cTn id="1" dur="indefinite" restart="never" nodeType="tmRoot">
+          <p:childTnLst>
+            <p:seq concurrent="1" nextAc="seek">
+              <p:cTn id="2" dur="indefinite" nodeType="mainSeq">
+                <p:childTnLst>
+                  <p:par>
+                    <p:cTn id="3" fill="hold">
+                      <p:stCondLst>
+                        <p:cond delay="indefinite"/>
+                      </p:stCondLst>
+                      <p:childTnLst>
+                        <p:par>
+                          <p:cTn id="4" fill="hold">
+                            <p:stCondLst>
+                              <p:cond delay="0"/>
+                            </p:stCondLst>
+                            <p:childTnLst>
+                              <p:par>
+                                <p:cTn id="5" presetID="10" presetClass="entr" presetSubtype="0" fill="hold" nodeType="clickEffect">
+                                  <p:stCondLst>
+                                    <p:cond delay="0"/>
+                                  </p:stCondLst>
+                                  <p:childTnLst>
+                                    <p:set>
+                                      <p:cBhvr>
+                                        <p:cTn id="6" dur="1" fill="hold">
+                                          <p:stCondLst>
+                                            <p:cond delay="0"/>
+                                          </p:stCondLst>
+                                        </p:cTn>
+                                        <p:tgtEl>
+                                          <p:spTgt spid="5122"/>
+                                        </p:tgtEl>
+                                        <p:attrNameLst>
+                                          <p:attrName>style.visibility</p:attrName>
+                                        </p:attrNameLst>
+                                      </p:cBhvr>
+                                      <p:to>
+                                        <p:strVal val="visible"/>
+                                      </p:to>
+                                    </p:set>
+                                    <p:animEffect transition="in" filter="fade">
+                                      <p:cBhvr>
+                                        <p:cTn id="7" dur="500"/>
+                                        <p:tgtEl>
+                                          <p:spTgt spid="5122"/>
+                                        </p:tgtEl>
+                                      </p:cBhvr>
+                                    </p:animEffect>
+                                  </p:childTnLst>
+                                </p:cTn>
+                              </p:par>
+                            </p:childTnLst>
+                          </p:cTn>
+                        </p:par>
+                      </p:childTnLst>
+                    </p:cTn>
+                  </p:par>
+                </p:childTnLst>
+              </p:cTn>
+              <p:prevCondLst>
+                <p:cond evt="onPrev" delay="0">
+                  <p:tgtEl>
+                    <p:sldTgt/>
+                  </p:tgtEl>
+                </p:cond>
+              </p:prevCondLst>
+              <p:nextCondLst>
+                <p:cond evt="onNext" delay="0">
+                  <p:tgtEl>
+                    <p:sldTgt/>
+                  </p:tgtEl>
+                </p:cond>
+              </p:nextCondLst>
+            </p:seq>
+          </p:childTnLst>
+        </p:cTn>
       </p:par>
     </p:tnLst>
   </p:timing>
@@ -6862,7 +7087,7 @@
                 <a:ea typeface="+mj-ea"/>
                 <a:cs typeface="+mj-cs"/>
               </a:rPr>
-              <a:t>VI. Systèmes</a:t>
+              <a:t>IV. Systèmes</a:t>
             </a:r>
             <a:r>
               <a:rPr lang="fr-FR" dirty="0" smtClean="0"/>
@@ -7182,7 +7407,11 @@
           <a:bodyPr/>
           <a:lstStyle/>
           <a:p>
-            <a:endParaRPr lang="fr-FR"/>
+            <a:r>
+              <a:rPr lang="fr-FR" dirty="0" smtClean="0"/>
+              <a:t>VII. Tests</a:t>
+            </a:r>
+            <a:endParaRPr lang="fr-FR" dirty="0"/>
           </a:p>
         </p:txBody>
       </p:sp>
@@ -7201,10 +7430,78 @@
           <a:bodyPr/>
           <a:lstStyle/>
           <a:p>
-            <a:endParaRPr lang="fr-FR"/>
-          </a:p>
-        </p:txBody>
-      </p:sp>
+            <a:r>
+              <a:rPr lang="fr-FR" dirty="0" smtClean="0"/>
+              <a:t>Unitaire</a:t>
+            </a:r>
+            <a:endParaRPr lang="fr-FR" dirty="0"/>
+          </a:p>
+        </p:txBody>
+      </p:sp>
+      <p:pic>
+        <p:nvPicPr>
+          <p:cNvPr id="7170" name="Picture 2"/>
+          <p:cNvPicPr>
+            <a:picLocks noChangeAspect="1" noChangeArrowheads="1"/>
+          </p:cNvPicPr>
+          <p:nvPr/>
+        </p:nvPicPr>
+        <p:blipFill>
+          <a:blip r:embed="rId2">
+            <a:extLst>
+              <a:ext uri="{28A0092B-C50C-407E-A947-70E740481C1C}">
+                <a14:useLocalDpi xmlns:a14="http://schemas.microsoft.com/office/drawing/2010/main" val="0"/>
+              </a:ext>
+            </a:extLst>
+          </a:blip>
+          <a:srcRect/>
+          <a:stretch>
+            <a:fillRect/>
+          </a:stretch>
+        </p:blipFill>
+        <p:spPr bwMode="auto">
+          <a:xfrm>
+            <a:off x="730364" y="1412776"/>
+            <a:ext cx="7836373" cy="5049539"/>
+          </a:xfrm>
+          <a:prstGeom prst="rect">
+            <a:avLst/>
+          </a:prstGeom>
+          <a:noFill/>
+          <a:ln>
+            <a:noFill/>
+          </a:ln>
+          <a:effectLst/>
+          <a:extLst>
+            <a:ext uri="{909E8E84-426E-40DD-AFC4-6F175D3DCCD1}">
+              <a14:hiddenFill xmlns:a14="http://schemas.microsoft.com/office/drawing/2010/main">
+                <a:solidFill>
+                  <a:schemeClr val="accent1"/>
+                </a:solidFill>
+              </a14:hiddenFill>
+            </a:ext>
+            <a:ext uri="{91240B29-F687-4F45-9708-019B960494DF}">
+              <a14:hiddenLine xmlns:a14="http://schemas.microsoft.com/office/drawing/2010/main" w="9525">
+                <a:solidFill>
+                  <a:schemeClr val="tx1"/>
+                </a:solidFill>
+                <a:miter lim="800000"/>
+                <a:headEnd/>
+                <a:tailEnd/>
+              </a14:hiddenLine>
+            </a:ext>
+            <a:ext uri="{AF507438-7753-43E0-B8FC-AC1667EBCBE1}">
+              <a14:hiddenEffects xmlns:a14="http://schemas.microsoft.com/office/drawing/2010/main">
+                <a:effectLst>
+                  <a:outerShdw dist="35921" dir="2700000" algn="ctr" rotWithShape="0">
+                    <a:schemeClr val="bg2"/>
+                  </a:outerShdw>
+                </a:effectLst>
+              </a14:hiddenEffects>
+            </a:ext>
+          </a:extLst>
+        </p:spPr>
+      </p:pic>
     </p:spTree>
     <p:extLst>
       <p:ext uri="{BB962C8B-B14F-4D97-AF65-F5344CB8AC3E}">
@@ -7219,6 +7516,221 @@
     <p:tnLst>
       <p:par>
         <p:cTn id="1" dur="indefinite" restart="never" nodeType="tmRoot"/>
+      </p:par>
+    </p:tnLst>
+  </p:timing>
+</p:sld>
+</file>
+
+<file path=ppt/slides/slide9.xml><?xml version="1.0" encoding="utf-8"?>
+<p:sld xmlns:a="http://schemas.openxmlformats.org/drawingml/2006/main" xmlns:r="http://schemas.openxmlformats.org/officeDocument/2006/relationships" xmlns:p="http://schemas.openxmlformats.org/presentationml/2006/main">
+  <p:cSld>
+    <p:spTree>
+      <p:nvGrpSpPr>
+        <p:cNvPr id="1" name=""/>
+        <p:cNvGrpSpPr/>
+        <p:nvPr/>
+      </p:nvGrpSpPr>
+      <p:grpSpPr>
+        <a:xfrm>
+          <a:off x="0" y="0"/>
+          <a:ext cx="0" cy="0"/>
+          <a:chOff x="0" y="0"/>
+          <a:chExt cx="0" cy="0"/>
+        </a:xfrm>
+      </p:grpSpPr>
+      <p:sp>
+        <p:nvSpPr>
+          <p:cNvPr id="2" name="Titre 1"/>
+          <p:cNvSpPr>
+            <a:spLocks noGrp="1"/>
+          </p:cNvSpPr>
+          <p:nvPr>
+            <p:ph type="title"/>
+          </p:nvPr>
+        </p:nvSpPr>
+        <p:spPr/>
+        <p:txBody>
+          <a:bodyPr/>
+          <a:lstStyle/>
+          <a:p>
+            <a:r>
+              <a:rPr lang="fr-FR" dirty="0" smtClean="0"/>
+              <a:t>VII. Tests</a:t>
+            </a:r>
+            <a:endParaRPr lang="fr-FR" dirty="0"/>
+          </a:p>
+        </p:txBody>
+      </p:sp>
+      <p:sp>
+        <p:nvSpPr>
+          <p:cNvPr id="3" name="Espace réservé du contenu 2"/>
+          <p:cNvSpPr>
+            <a:spLocks noGrp="1"/>
+          </p:cNvSpPr>
+          <p:nvPr>
+            <p:ph idx="1"/>
+          </p:nvPr>
+        </p:nvSpPr>
+        <p:spPr/>
+        <p:txBody>
+          <a:bodyPr/>
+          <a:lstStyle/>
+          <a:p>
+            <a:r>
+              <a:rPr lang="fr-FR" dirty="0" smtClean="0"/>
+              <a:t>Intégration</a:t>
+            </a:r>
+            <a:endParaRPr lang="fr-FR" dirty="0"/>
+          </a:p>
+        </p:txBody>
+      </p:sp>
+      <p:pic>
+        <p:nvPicPr>
+          <p:cNvPr id="6146" name="Picture 2"/>
+          <p:cNvPicPr>
+            <a:picLocks noChangeAspect="1" noChangeArrowheads="1"/>
+          </p:cNvPicPr>
+          <p:nvPr/>
+        </p:nvPicPr>
+        <p:blipFill>
+          <a:blip r:embed="rId2">
+            <a:extLst>
+              <a:ext uri="{28A0092B-C50C-407E-A947-70E740481C1C}">
+                <a14:useLocalDpi xmlns:a14="http://schemas.microsoft.com/office/drawing/2010/main" val="0"/>
+              </a:ext>
+            </a:extLst>
+          </a:blip>
+          <a:srcRect/>
+          <a:stretch>
+            <a:fillRect/>
+          </a:stretch>
+        </p:blipFill>
+        <p:spPr bwMode="auto">
+          <a:xfrm>
+            <a:off x="209307" y="440916"/>
+            <a:ext cx="8632133" cy="6099001"/>
+          </a:xfrm>
+          <a:prstGeom prst="rect">
+            <a:avLst/>
+          </a:prstGeom>
+          <a:noFill/>
+          <a:ln>
+            <a:noFill/>
+          </a:ln>
+          <a:effectLst/>
+          <a:extLst>
+            <a:ext uri="{909E8E84-426E-40DD-AFC4-6F175D3DCCD1}">
+              <a14:hiddenFill xmlns:a14="http://schemas.microsoft.com/office/drawing/2010/main">
+                <a:solidFill>
+                  <a:schemeClr val="accent1"/>
+                </a:solidFill>
+              </a14:hiddenFill>
+            </a:ext>
+            <a:ext uri="{91240B29-F687-4F45-9708-019B960494DF}">
+              <a14:hiddenLine xmlns:a14="http://schemas.microsoft.com/office/drawing/2010/main" w="9525">
+                <a:solidFill>
+                  <a:schemeClr val="tx1"/>
+                </a:solidFill>
+                <a:miter lim="800000"/>
+                <a:headEnd/>
+                <a:tailEnd/>
+              </a14:hiddenLine>
+            </a:ext>
+            <a:ext uri="{AF507438-7753-43E0-B8FC-AC1667EBCBE1}">
+              <a14:hiddenEffects xmlns:a14="http://schemas.microsoft.com/office/drawing/2010/main">
+                <a:effectLst>
+                  <a:outerShdw dist="35921" dir="2700000" algn="ctr" rotWithShape="0">
+                    <a:schemeClr val="bg2"/>
+                  </a:outerShdw>
+                </a:effectLst>
+              </a14:hiddenEffects>
+            </a:ext>
+          </a:extLst>
+        </p:spPr>
+      </p:pic>
+    </p:spTree>
+    <p:extLst>
+      <p:ext uri="{BB962C8B-B14F-4D97-AF65-F5344CB8AC3E}">
+        <p14:creationId xmlns:p14="http://schemas.microsoft.com/office/powerpoint/2010/main" val="2345867386"/>
+      </p:ext>
+    </p:extLst>
+  </p:cSld>
+  <p:clrMapOvr>
+    <a:masterClrMapping/>
+  </p:clrMapOvr>
+  <p:timing>
+    <p:tnLst>
+      <p:par>
+        <p:cTn id="1" dur="indefinite" restart="never" nodeType="tmRoot">
+          <p:childTnLst>
+            <p:seq concurrent="1" nextAc="seek">
+              <p:cTn id="2" dur="indefinite" nodeType="mainSeq">
+                <p:childTnLst>
+                  <p:par>
+                    <p:cTn id="3" fill="hold">
+                      <p:stCondLst>
+                        <p:cond delay="indefinite"/>
+                      </p:stCondLst>
+                      <p:childTnLst>
+                        <p:par>
+                          <p:cTn id="4" fill="hold">
+                            <p:stCondLst>
+                              <p:cond delay="0"/>
+                            </p:stCondLst>
+                            <p:childTnLst>
+                              <p:par>
+                                <p:cTn id="5" presetID="1" presetClass="entr" presetSubtype="0" fill="hold" nodeType="clickEffect">
+                                  <p:stCondLst>
+                                    <p:cond delay="0"/>
+                                  </p:stCondLst>
+                                  <p:childTnLst>
+                                    <p:set>
+                                      <p:cBhvr>
+                                        <p:cTn id="6" dur="1" fill="hold">
+                                          <p:stCondLst>
+                                            <p:cond delay="0"/>
+                                          </p:stCondLst>
+                                        </p:cTn>
+                                        <p:tgtEl>
+                                          <p:spTgt spid="6146"/>
+                                        </p:tgtEl>
+                                        <p:attrNameLst>
+                                          <p:attrName>style.visibility</p:attrName>
+                                        </p:attrNameLst>
+                                      </p:cBhvr>
+                                      <p:to>
+                                        <p:strVal val="visible"/>
+                                      </p:to>
+                                    </p:set>
+                                  </p:childTnLst>
+                                </p:cTn>
+                              </p:par>
+                            </p:childTnLst>
+                          </p:cTn>
+                        </p:par>
+                      </p:childTnLst>
+                    </p:cTn>
+                  </p:par>
+                </p:childTnLst>
+              </p:cTn>
+              <p:prevCondLst>
+                <p:cond evt="onPrev" delay="0">
+                  <p:tgtEl>
+                    <p:sldTgt/>
+                  </p:tgtEl>
+                </p:cond>
+              </p:prevCondLst>
+              <p:nextCondLst>
+                <p:cond evt="onNext" delay="0">
+                  <p:tgtEl>
+                    <p:sldTgt/>
+                  </p:tgtEl>
+                </p:cond>
+              </p:nextCondLst>
+            </p:seq>
+          </p:childTnLst>
+        </p:cTn>
       </p:par>
     </p:tnLst>
   </p:timing>
